--- a/Java Урок 1 Змінні. Перетворення типів.pptx
+++ b/Java Урок 1 Змінні. Перетворення типів.pptx
@@ -238,7 +238,7 @@
           <a:p>
             <a:fld id="{8563BCD5-BA93-4EE2-99D7-9182F9B44AE3}" type="datetimeFigureOut">
               <a:rPr lang="uk-UA" smtClean="0"/>
-              <a:t>21.12.2023</a:t>
+              <a:t>05.01.2024</a:t>
             </a:fld>
             <a:endParaRPr lang="uk-UA"/>
           </a:p>
@@ -875,7 +875,7 @@
           <a:p>
             <a:fld id="{6113F138-7681-4725-9E20-940499728D31}" type="datetimeFigureOut">
               <a:rPr lang="uk-UA" smtClean="0"/>
-              <a:t>21.12.2023</a:t>
+              <a:t>05.01.2024</a:t>
             </a:fld>
             <a:endParaRPr lang="uk-UA"/>
           </a:p>
@@ -1075,7 +1075,7 @@
           <a:p>
             <a:fld id="{6113F138-7681-4725-9E20-940499728D31}" type="datetimeFigureOut">
               <a:rPr lang="uk-UA" smtClean="0"/>
-              <a:t>21.12.2023</a:t>
+              <a:t>05.01.2024</a:t>
             </a:fld>
             <a:endParaRPr lang="uk-UA"/>
           </a:p>
@@ -1285,7 +1285,7 @@
           <a:p>
             <a:fld id="{6113F138-7681-4725-9E20-940499728D31}" type="datetimeFigureOut">
               <a:rPr lang="uk-UA" smtClean="0"/>
-              <a:t>21.12.2023</a:t>
+              <a:t>05.01.2024</a:t>
             </a:fld>
             <a:endParaRPr lang="uk-UA"/>
           </a:p>
@@ -1608,7 +1608,7 @@
           <a:p>
             <a:fld id="{6113F138-7681-4725-9E20-940499728D31}" type="datetimeFigureOut">
               <a:rPr lang="uk-UA" smtClean="0"/>
-              <a:t>21.12.2023</a:t>
+              <a:t>05.01.2024</a:t>
             </a:fld>
             <a:endParaRPr lang="uk-UA"/>
           </a:p>
@@ -1884,7 +1884,7 @@
           <a:p>
             <a:fld id="{6113F138-7681-4725-9E20-940499728D31}" type="datetimeFigureOut">
               <a:rPr lang="uk-UA" smtClean="0"/>
-              <a:t>21.12.2023</a:t>
+              <a:t>05.01.2024</a:t>
             </a:fld>
             <a:endParaRPr lang="uk-UA"/>
           </a:p>
@@ -2152,7 +2152,7 @@
           <a:p>
             <a:fld id="{6113F138-7681-4725-9E20-940499728D31}" type="datetimeFigureOut">
               <a:rPr lang="uk-UA" smtClean="0"/>
-              <a:t>21.12.2023</a:t>
+              <a:t>05.01.2024</a:t>
             </a:fld>
             <a:endParaRPr lang="uk-UA"/>
           </a:p>
@@ -2567,7 +2567,7 @@
           <a:p>
             <a:fld id="{6113F138-7681-4725-9E20-940499728D31}" type="datetimeFigureOut">
               <a:rPr lang="uk-UA" smtClean="0"/>
-              <a:t>21.12.2023</a:t>
+              <a:t>05.01.2024</a:t>
             </a:fld>
             <a:endParaRPr lang="uk-UA"/>
           </a:p>
@@ -2709,7 +2709,7 @@
           <a:p>
             <a:fld id="{6113F138-7681-4725-9E20-940499728D31}" type="datetimeFigureOut">
               <a:rPr lang="uk-UA" smtClean="0"/>
-              <a:t>21.12.2023</a:t>
+              <a:t>05.01.2024</a:t>
             </a:fld>
             <a:endParaRPr lang="uk-UA"/>
           </a:p>
@@ -2822,7 +2822,7 @@
           <a:p>
             <a:fld id="{6113F138-7681-4725-9E20-940499728D31}" type="datetimeFigureOut">
               <a:rPr lang="uk-UA" smtClean="0"/>
-              <a:t>21.12.2023</a:t>
+              <a:t>05.01.2024</a:t>
             </a:fld>
             <a:endParaRPr lang="uk-UA"/>
           </a:p>
@@ -3135,7 +3135,7 @@
           <a:p>
             <a:fld id="{6113F138-7681-4725-9E20-940499728D31}" type="datetimeFigureOut">
               <a:rPr lang="uk-UA" smtClean="0"/>
-              <a:t>21.12.2023</a:t>
+              <a:t>05.01.2024</a:t>
             </a:fld>
             <a:endParaRPr lang="uk-UA"/>
           </a:p>
@@ -3424,7 +3424,7 @@
           <a:p>
             <a:fld id="{6113F138-7681-4725-9E20-940499728D31}" type="datetimeFigureOut">
               <a:rPr lang="uk-UA" smtClean="0"/>
-              <a:t>21.12.2023</a:t>
+              <a:t>05.01.2024</a:t>
             </a:fld>
             <a:endParaRPr lang="uk-UA"/>
           </a:p>
@@ -3667,7 +3667,7 @@
           <a:p>
             <a:fld id="{6113F138-7681-4725-9E20-940499728D31}" type="datetimeFigureOut">
               <a:rPr lang="uk-UA" smtClean="0"/>
-              <a:t>21.12.2023</a:t>
+              <a:t>05.01.2024</a:t>
             </a:fld>
             <a:endParaRPr lang="uk-UA"/>
           </a:p>
@@ -5464,7 +5464,7 @@
           <a:graphicData uri="http://schemas.openxmlformats.org/presentationml/2006/ole">
             <mc:AlternateContent xmlns:mc="http://schemas.openxmlformats.org/markup-compatibility/2006">
               <mc:Choice xmlns:v="urn:schemas-microsoft-com:vml" Requires="v">
-                <p:oleObj spid="_x0000_s1080" name="Visio" r:id="rId4" imgW="3990928" imgH="695578" progId="Visio.Drawing.11">
+                <p:oleObj spid="_x0000_s1092" name="Visio" r:id="rId4" imgW="3990928" imgH="695578" progId="Visio.Drawing.11">
                   <p:embed/>
                 </p:oleObj>
               </mc:Choice>
@@ -5547,7 +5547,7 @@
           <a:graphicData uri="http://schemas.openxmlformats.org/presentationml/2006/ole">
             <mc:AlternateContent xmlns:mc="http://schemas.openxmlformats.org/markup-compatibility/2006">
               <mc:Choice xmlns:v="urn:schemas-microsoft-com:vml" Requires="v">
-                <p:oleObj spid="_x0000_s1081" name="Visio" r:id="rId6" imgW="2438433" imgH="876555" progId="Visio.Drawing.11">
+                <p:oleObj spid="_x0000_s1093" name="Visio" r:id="rId6" imgW="2438433" imgH="876555" progId="Visio.Drawing.11">
                   <p:embed/>
                 </p:oleObj>
               </mc:Choice>
@@ -5630,7 +5630,7 @@
           <a:graphicData uri="http://schemas.openxmlformats.org/presentationml/2006/ole">
             <mc:AlternateContent xmlns:mc="http://schemas.openxmlformats.org/markup-compatibility/2006">
               <mc:Choice xmlns:v="urn:schemas-microsoft-com:vml" Requires="v">
-                <p:oleObj spid="_x0000_s1082" name="Visio" r:id="rId8" imgW="4267152" imgH="1790744" progId="Visio.Drawing.11">
+                <p:oleObj spid="_x0000_s1094" name="Visio" r:id="rId8" imgW="4267152" imgH="1790744" progId="Visio.Drawing.11">
                   <p:embed/>
                 </p:oleObj>
               </mc:Choice>
@@ -12575,7 +12575,7 @@
           <a:graphicData uri="http://schemas.openxmlformats.org/presentationml/2006/ole">
             <mc:AlternateContent xmlns:mc="http://schemas.openxmlformats.org/markup-compatibility/2006">
               <mc:Choice xmlns:v="urn:schemas-microsoft-com:vml" Requires="v">
-                <p:oleObj spid="_x0000_s2114" name="Visio" r:id="rId3" imgW="4286521" imgH="990723" progId="Visio.Drawing.11">
+                <p:oleObj spid="_x0000_s2130" name="Visio" r:id="rId3" imgW="4286521" imgH="990723" progId="Visio.Drawing.11">
                   <p:embed/>
                 </p:oleObj>
               </mc:Choice>
@@ -12689,7 +12689,7 @@
           <a:graphicData uri="http://schemas.openxmlformats.org/presentationml/2006/ole">
             <mc:AlternateContent xmlns:mc="http://schemas.openxmlformats.org/markup-compatibility/2006">
               <mc:Choice xmlns:v="urn:schemas-microsoft-com:vml" Requires="v">
-                <p:oleObj spid="_x0000_s2115" name="Visio" r:id="rId5" imgW="6010393" imgH="1257538" progId="Visio.Drawing.11">
+                <p:oleObj spid="_x0000_s2131" name="Visio" r:id="rId5" imgW="6010393" imgH="1257538" progId="Visio.Drawing.11">
                   <p:embed/>
                 </p:oleObj>
               </mc:Choice>
@@ -12776,7 +12776,7 @@
           <a:graphicData uri="http://schemas.openxmlformats.org/presentationml/2006/ole">
             <mc:AlternateContent xmlns:mc="http://schemas.openxmlformats.org/markup-compatibility/2006">
               <mc:Choice xmlns:v="urn:schemas-microsoft-com:vml" Requires="v">
-                <p:oleObj spid="_x0000_s2116" name="Visio" r:id="rId7" imgW="2600546" imgH="904886" progId="Visio.Drawing.11">
+                <p:oleObj spid="_x0000_s2132" name="Visio" r:id="rId7" imgW="2600546" imgH="904886" progId="Visio.Drawing.11">
                   <p:embed/>
                 </p:oleObj>
               </mc:Choice>
@@ -12853,7 +12853,7 @@
           <a:graphicData uri="http://schemas.openxmlformats.org/presentationml/2006/ole">
             <mc:AlternateContent xmlns:mc="http://schemas.openxmlformats.org/markup-compatibility/2006">
               <mc:Choice xmlns:v="urn:schemas-microsoft-com:vml" Requires="v">
-                <p:oleObj spid="_x0000_s2117" name="Visio" r:id="rId9" imgW="1409752" imgH="600016" progId="Visio.Drawing.11">
+                <p:oleObj spid="_x0000_s2133" name="Visio" r:id="rId9" imgW="1409752" imgH="600016" progId="Visio.Drawing.11">
                   <p:embed/>
                 </p:oleObj>
               </mc:Choice>

--- a/Java Урок 1 Змінні. Перетворення типів.pptx
+++ b/Java Урок 1 Змінні. Перетворення типів.pptx
@@ -118,6 +118,11 @@
       </a:defRPr>
     </a:lvl9pPr>
   </p:defaultTextStyle>
+  <p:extLst>
+    <p:ext uri="{EFAFB233-063F-42B5-8137-9DF3F51BA10A}">
+      <p15:sldGuideLst xmlns:p15="http://schemas.microsoft.com/office/powerpoint/2012/main"/>
+    </p:ext>
+  </p:extLst>
 </p:presentation>
 </file>
 
@@ -203,7 +208,7 @@
           <a:p>
             <a:fld id="{DD81528B-9B6F-4248-9BF4-341C8496BA36}" type="datetimeFigureOut">
               <a:rPr lang="uk-UA" smtClean="0"/>
-              <a:t>01.06.2024</a:t>
+              <a:t>13.07.2024</a:t>
             </a:fld>
             <a:endParaRPr lang="uk-UA"/>
           </a:p>
@@ -704,7 +709,7 @@
           <a:p>
             <a:fld id="{F1E3972C-1D59-4812-9879-0ADA85AB86FA}" type="datetimeFigureOut">
               <a:rPr lang="uk-UA" smtClean="0"/>
-              <a:t>01.06.2024</a:t>
+              <a:t>13.07.2024</a:t>
             </a:fld>
             <a:endParaRPr lang="uk-UA"/>
           </a:p>
@@ -904,7 +909,7 @@
           <a:p>
             <a:fld id="{F1E3972C-1D59-4812-9879-0ADA85AB86FA}" type="datetimeFigureOut">
               <a:rPr lang="uk-UA" smtClean="0"/>
-              <a:t>01.06.2024</a:t>
+              <a:t>13.07.2024</a:t>
             </a:fld>
             <a:endParaRPr lang="uk-UA"/>
           </a:p>
@@ -1114,7 +1119,7 @@
           <a:p>
             <a:fld id="{F1E3972C-1D59-4812-9879-0ADA85AB86FA}" type="datetimeFigureOut">
               <a:rPr lang="uk-UA" smtClean="0"/>
-              <a:t>01.06.2024</a:t>
+              <a:t>13.07.2024</a:t>
             </a:fld>
             <a:endParaRPr lang="uk-UA"/>
           </a:p>
@@ -1349,7 +1354,7 @@
           <a:p>
             <a:fld id="{F1E3972C-1D59-4812-9879-0ADA85AB86FA}" type="datetimeFigureOut">
               <a:rPr lang="uk-UA" smtClean="0"/>
-              <a:t>01.06.2024</a:t>
+              <a:t>13.07.2024</a:t>
             </a:fld>
             <a:endParaRPr lang="uk-UA"/>
           </a:p>
@@ -1625,7 +1630,7 @@
           <a:p>
             <a:fld id="{F1E3972C-1D59-4812-9879-0ADA85AB86FA}" type="datetimeFigureOut">
               <a:rPr lang="uk-UA" smtClean="0"/>
-              <a:t>01.06.2024</a:t>
+              <a:t>13.07.2024</a:t>
             </a:fld>
             <a:endParaRPr lang="uk-UA"/>
           </a:p>
@@ -1893,7 +1898,7 @@
           <a:p>
             <a:fld id="{F1E3972C-1D59-4812-9879-0ADA85AB86FA}" type="datetimeFigureOut">
               <a:rPr lang="uk-UA" smtClean="0"/>
-              <a:t>01.06.2024</a:t>
+              <a:t>13.07.2024</a:t>
             </a:fld>
             <a:endParaRPr lang="uk-UA"/>
           </a:p>
@@ -2308,7 +2313,7 @@
           <a:p>
             <a:fld id="{F1E3972C-1D59-4812-9879-0ADA85AB86FA}" type="datetimeFigureOut">
               <a:rPr lang="uk-UA" smtClean="0"/>
-              <a:t>01.06.2024</a:t>
+              <a:t>13.07.2024</a:t>
             </a:fld>
             <a:endParaRPr lang="uk-UA"/>
           </a:p>
@@ -2450,7 +2455,7 @@
           <a:p>
             <a:fld id="{F1E3972C-1D59-4812-9879-0ADA85AB86FA}" type="datetimeFigureOut">
               <a:rPr lang="uk-UA" smtClean="0"/>
-              <a:t>01.06.2024</a:t>
+              <a:t>13.07.2024</a:t>
             </a:fld>
             <a:endParaRPr lang="uk-UA"/>
           </a:p>
@@ -2563,7 +2568,7 @@
           <a:p>
             <a:fld id="{F1E3972C-1D59-4812-9879-0ADA85AB86FA}" type="datetimeFigureOut">
               <a:rPr lang="uk-UA" smtClean="0"/>
-              <a:t>01.06.2024</a:t>
+              <a:t>13.07.2024</a:t>
             </a:fld>
             <a:endParaRPr lang="uk-UA"/>
           </a:p>
@@ -2876,7 +2881,7 @@
           <a:p>
             <a:fld id="{F1E3972C-1D59-4812-9879-0ADA85AB86FA}" type="datetimeFigureOut">
               <a:rPr lang="uk-UA" smtClean="0"/>
-              <a:t>01.06.2024</a:t>
+              <a:t>13.07.2024</a:t>
             </a:fld>
             <a:endParaRPr lang="uk-UA"/>
           </a:p>
@@ -3165,7 +3170,7 @@
           <a:p>
             <a:fld id="{F1E3972C-1D59-4812-9879-0ADA85AB86FA}" type="datetimeFigureOut">
               <a:rPr lang="uk-UA" smtClean="0"/>
-              <a:t>01.06.2024</a:t>
+              <a:t>13.07.2024</a:t>
             </a:fld>
             <a:endParaRPr lang="uk-UA"/>
           </a:p>
@@ -3408,7 +3413,7 @@
           <a:p>
             <a:fld id="{F1E3972C-1D59-4812-9879-0ADA85AB86FA}" type="datetimeFigureOut">
               <a:rPr lang="uk-UA" smtClean="0"/>
-              <a:t>01.06.2024</a:t>
+              <a:t>13.07.2024</a:t>
             </a:fld>
             <a:endParaRPr lang="uk-UA"/>
           </a:p>
@@ -11462,8 +11467,8 @@
         </p:nvSpPr>
         <p:spPr>
           <a:xfrm>
-            <a:off x="989366" y="4430549"/>
-            <a:ext cx="8320226" cy="1477328"/>
+            <a:off x="989365" y="4430549"/>
+            <a:ext cx="10536093" cy="1200329"/>
           </a:xfrm>
           <a:prstGeom prst="rect">
             <a:avLst/>
@@ -12657,7 +12662,7 @@
         </p:nvSpPr>
         <p:spPr>
           <a:xfrm>
-            <a:off x="5673697" y="2083666"/>
+            <a:off x="5578390" y="2040406"/>
             <a:ext cx="8958104" cy="1200329"/>
           </a:xfrm>
           <a:prstGeom prst="rect">
@@ -16631,6 +16636,13 @@
             <a:prstDash val="solid"/>
           </a:ln>
         </p:spPr>
+        <p:txBody>
+          <a:bodyPr/>
+          <a:lstStyle/>
+          <a:p>
+            <a:endParaRPr lang="uk-UA"/>
+          </a:p>
+        </p:txBody>
       </p:sp>
       <p:sp>
         <p:nvSpPr>
@@ -16653,6 +16665,13 @@
           </a:solidFill>
           <a:ln/>
         </p:spPr>
+        <p:txBody>
+          <a:bodyPr/>
+          <a:lstStyle/>
+          <a:p>
+            <a:endParaRPr lang="uk-UA"/>
+          </a:p>
+        </p:txBody>
       </p:sp>
       <p:sp>
         <p:nvSpPr>
@@ -16831,6 +16850,13 @@
           </a:solidFill>
           <a:ln/>
         </p:spPr>
+        <p:txBody>
+          <a:bodyPr/>
+          <a:lstStyle/>
+          <a:p>
+            <a:endParaRPr lang="uk-UA"/>
+          </a:p>
+        </p:txBody>
       </p:sp>
       <p:sp>
         <p:nvSpPr>
@@ -17009,6 +17035,13 @@
           </a:solidFill>
           <a:ln/>
         </p:spPr>
+        <p:txBody>
+          <a:bodyPr/>
+          <a:lstStyle/>
+          <a:p>
+            <a:endParaRPr lang="uk-UA"/>
+          </a:p>
+        </p:txBody>
       </p:sp>
       <p:sp>
         <p:nvSpPr>
@@ -17187,6 +17220,13 @@
           </a:solidFill>
           <a:ln/>
         </p:spPr>
+        <p:txBody>
+          <a:bodyPr/>
+          <a:lstStyle/>
+          <a:p>
+            <a:endParaRPr lang="uk-UA"/>
+          </a:p>
+        </p:txBody>
       </p:sp>
       <p:sp>
         <p:nvSpPr>
@@ -17365,6 +17405,13 @@
           </a:solidFill>
           <a:ln/>
         </p:spPr>
+        <p:txBody>
+          <a:bodyPr/>
+          <a:lstStyle/>
+          <a:p>
+            <a:endParaRPr lang="uk-UA"/>
+          </a:p>
+        </p:txBody>
       </p:sp>
       <p:sp>
         <p:nvSpPr>
@@ -17543,6 +17590,13 @@
           </a:solidFill>
           <a:ln/>
         </p:spPr>
+        <p:txBody>
+          <a:bodyPr/>
+          <a:lstStyle/>
+          <a:p>
+            <a:endParaRPr lang="uk-UA"/>
+          </a:p>
+        </p:txBody>
       </p:sp>
       <p:sp>
         <p:nvSpPr>
@@ -17721,6 +17775,13 @@
           </a:solidFill>
           <a:ln/>
         </p:spPr>
+        <p:txBody>
+          <a:bodyPr/>
+          <a:lstStyle/>
+          <a:p>
+            <a:endParaRPr lang="uk-UA"/>
+          </a:p>
+        </p:txBody>
       </p:sp>
       <p:sp>
         <p:nvSpPr>
@@ -17899,6 +17960,13 @@
           </a:solidFill>
           <a:ln/>
         </p:spPr>
+        <p:txBody>
+          <a:bodyPr/>
+          <a:lstStyle/>
+          <a:p>
+            <a:endParaRPr lang="uk-UA"/>
+          </a:p>
+        </p:txBody>
       </p:sp>
       <p:sp>
         <p:nvSpPr>
@@ -18152,6 +18220,13 @@
             <a:prstDash val="solid"/>
           </a:ln>
         </p:spPr>
+        <p:txBody>
+          <a:bodyPr/>
+          <a:lstStyle/>
+          <a:p>
+            <a:endParaRPr lang="uk-UA"/>
+          </a:p>
+        </p:txBody>
       </p:sp>
       <p:sp>
         <p:nvSpPr>
@@ -18302,6 +18377,13 @@
             <a:prstDash val="solid"/>
           </a:ln>
         </p:spPr>
+        <p:txBody>
+          <a:bodyPr/>
+          <a:lstStyle/>
+          <a:p>
+            <a:endParaRPr lang="uk-UA"/>
+          </a:p>
+        </p:txBody>
       </p:sp>
       <p:sp>
         <p:nvSpPr>
@@ -18422,6 +18504,13 @@
             <a:prstDash val="solid"/>
           </a:ln>
         </p:spPr>
+        <p:txBody>
+          <a:bodyPr/>
+          <a:lstStyle/>
+          <a:p>
+            <a:endParaRPr lang="uk-UA"/>
+          </a:p>
+        </p:txBody>
       </p:sp>
       <p:sp>
         <p:nvSpPr>
@@ -18542,6 +18631,13 @@
             <a:prstDash val="solid"/>
           </a:ln>
         </p:spPr>
+        <p:txBody>
+          <a:bodyPr/>
+          <a:lstStyle/>
+          <a:p>
+            <a:endParaRPr lang="uk-UA"/>
+          </a:p>
+        </p:txBody>
       </p:sp>
       <p:sp>
         <p:nvSpPr>
